--- a/Project/src/docs/Argiro Library App.pptx
+++ b/Project/src/docs/Argiro Library App.pptx
@@ -111,6 +111,11 @@
       </a:defRPr>
     </a:lvl9pPr>
   </p:defaultTextStyle>
+  <p:extLst>
+    <p:ext uri="{EFAFB233-063F-42B5-8137-9DF3F51BA10A}">
+      <p15:sldGuideLst xmlns:p15="http://schemas.microsoft.com/office/powerpoint/2012/main"/>
+    </p:ext>
+  </p:extLst>
 </p:presentation>
 </file>
 
@@ -6752,7 +6757,7 @@
       </p:sp>
       <p:pic>
         <p:nvPicPr>
-          <p:cNvPr id="5" name="Marcador de contenido 4"/>
+          <p:cNvPr id="4" name="Marcador de contenido 3"/>
           <p:cNvPicPr>
             <a:picLocks noGrp="1" noChangeAspect="1"/>
           </p:cNvPicPr>
@@ -6774,8 +6779,8 @@
         </p:blipFill>
         <p:spPr>
           <a:xfrm>
-            <a:off x="816667" y="1149350"/>
-            <a:ext cx="10003733" cy="4333797"/>
+            <a:off x="1298219" y="1071156"/>
+            <a:ext cx="9784464" cy="4238806"/>
           </a:xfrm>
         </p:spPr>
       </p:pic>
@@ -6963,7 +6968,7 @@
       </p:sp>
       <p:pic>
         <p:nvPicPr>
-          <p:cNvPr id="9" name="Marcador de contenido 8"/>
+          <p:cNvPr id="4" name="Marcador de contenido 3"/>
           <p:cNvPicPr>
             <a:picLocks noGrp="1" noChangeAspect="1"/>
           </p:cNvPicPr>
@@ -6985,8 +6990,8 @@
         </p:blipFill>
         <p:spPr>
           <a:xfrm>
-            <a:off x="317500" y="1181100"/>
-            <a:ext cx="10765183" cy="4194175"/>
+            <a:off x="685801" y="1224046"/>
+            <a:ext cx="10535193" cy="4151229"/>
           </a:xfrm>
         </p:spPr>
       </p:pic>
